--- a/提出（学生が出す）ー岡本/AM/17664 alop tamang/momomghar alop３.pptx
+++ b/提出（学生が出す）ー岡本/AM/17664 alop tamang/momomghar alop３.pptx
@@ -246,7 +246,7 @@
           <a:p>
             <a:fld id="{43274F2F-304E-420B-B560-AECBA286D1EF}" type="datetimeFigureOut">
               <a:rPr kumimoji="1" lang="ja-JP" altLang="en-US" smtClean="0"/>
-              <a:t>2019/10/29</a:t>
+              <a:t>2019/10/30</a:t>
             </a:fld>
             <a:endParaRPr kumimoji="1" lang="ja-JP" altLang="en-US"/>
           </a:p>
@@ -448,7 +448,7 @@
           <a:p>
             <a:fld id="{43274F2F-304E-420B-B560-AECBA286D1EF}" type="datetimeFigureOut">
               <a:rPr kumimoji="1" lang="ja-JP" altLang="en-US" smtClean="0"/>
-              <a:t>2019/10/29</a:t>
+              <a:t>2019/10/30</a:t>
             </a:fld>
             <a:endParaRPr kumimoji="1" lang="ja-JP" altLang="en-US"/>
           </a:p>
@@ -660,7 +660,7 @@
           <a:p>
             <a:fld id="{43274F2F-304E-420B-B560-AECBA286D1EF}" type="datetimeFigureOut">
               <a:rPr kumimoji="1" lang="ja-JP" altLang="en-US" smtClean="0"/>
-              <a:t>2019/10/29</a:t>
+              <a:t>2019/10/30</a:t>
             </a:fld>
             <a:endParaRPr kumimoji="1" lang="ja-JP" altLang="en-US"/>
           </a:p>
@@ -862,7 +862,7 @@
           <a:p>
             <a:fld id="{43274F2F-304E-420B-B560-AECBA286D1EF}" type="datetimeFigureOut">
               <a:rPr kumimoji="1" lang="ja-JP" altLang="en-US" smtClean="0"/>
-              <a:t>2019/10/29</a:t>
+              <a:t>2019/10/30</a:t>
             </a:fld>
             <a:endParaRPr kumimoji="1" lang="ja-JP" altLang="en-US"/>
           </a:p>
@@ -1108,7 +1108,7 @@
           <a:p>
             <a:fld id="{43274F2F-304E-420B-B560-AECBA286D1EF}" type="datetimeFigureOut">
               <a:rPr kumimoji="1" lang="ja-JP" altLang="en-US" smtClean="0"/>
-              <a:t>2019/10/29</a:t>
+              <a:t>2019/10/30</a:t>
             </a:fld>
             <a:endParaRPr kumimoji="1" lang="ja-JP" altLang="en-US"/>
           </a:p>
@@ -1404,7 +1404,7 @@
           <a:p>
             <a:fld id="{43274F2F-304E-420B-B560-AECBA286D1EF}" type="datetimeFigureOut">
               <a:rPr kumimoji="1" lang="ja-JP" altLang="en-US" smtClean="0"/>
-              <a:t>2019/10/29</a:t>
+              <a:t>2019/10/30</a:t>
             </a:fld>
             <a:endParaRPr kumimoji="1" lang="ja-JP" altLang="en-US"/>
           </a:p>
@@ -1835,7 +1835,7 @@
           <a:p>
             <a:fld id="{43274F2F-304E-420B-B560-AECBA286D1EF}" type="datetimeFigureOut">
               <a:rPr kumimoji="1" lang="ja-JP" altLang="en-US" smtClean="0"/>
-              <a:t>2019/10/29</a:t>
+              <a:t>2019/10/30</a:t>
             </a:fld>
             <a:endParaRPr kumimoji="1" lang="ja-JP" altLang="en-US"/>
           </a:p>
@@ -1953,7 +1953,7 @@
           <a:p>
             <a:fld id="{43274F2F-304E-420B-B560-AECBA286D1EF}" type="datetimeFigureOut">
               <a:rPr kumimoji="1" lang="ja-JP" altLang="en-US" smtClean="0"/>
-              <a:t>2019/10/29</a:t>
+              <a:t>2019/10/30</a:t>
             </a:fld>
             <a:endParaRPr kumimoji="1" lang="ja-JP" altLang="en-US"/>
           </a:p>
@@ -2048,7 +2048,7 @@
           <a:p>
             <a:fld id="{43274F2F-304E-420B-B560-AECBA286D1EF}" type="datetimeFigureOut">
               <a:rPr kumimoji="1" lang="ja-JP" altLang="en-US" smtClean="0"/>
-              <a:t>2019/10/29</a:t>
+              <a:t>2019/10/30</a:t>
             </a:fld>
             <a:endParaRPr kumimoji="1" lang="ja-JP" altLang="en-US"/>
           </a:p>
@@ -2357,7 +2357,7 @@
           <a:p>
             <a:fld id="{43274F2F-304E-420B-B560-AECBA286D1EF}" type="datetimeFigureOut">
               <a:rPr kumimoji="1" lang="ja-JP" altLang="en-US" smtClean="0"/>
-              <a:t>2019/10/29</a:t>
+              <a:t>2019/10/30</a:t>
             </a:fld>
             <a:endParaRPr kumimoji="1" lang="ja-JP" altLang="en-US"/>
           </a:p>
@@ -2614,7 +2614,7 @@
           <a:p>
             <a:fld id="{43274F2F-304E-420B-B560-AECBA286D1EF}" type="datetimeFigureOut">
               <a:rPr kumimoji="1" lang="ja-JP" altLang="en-US" smtClean="0"/>
-              <a:t>2019/10/29</a:t>
+              <a:t>2019/10/30</a:t>
             </a:fld>
             <a:endParaRPr kumimoji="1" lang="ja-JP" altLang="en-US"/>
           </a:p>
@@ -2859,7 +2859,7 @@
           <a:p>
             <a:fld id="{43274F2F-304E-420B-B560-AECBA286D1EF}" type="datetimeFigureOut">
               <a:rPr kumimoji="1" lang="ja-JP" altLang="en-US" smtClean="0"/>
-              <a:t>2019/10/29</a:t>
+              <a:t>2019/10/30</a:t>
             </a:fld>
             <a:endParaRPr kumimoji="1" lang="ja-JP" altLang="en-US"/>
           </a:p>
@@ -4384,6 +4384,36 @@
           </a:prstGeom>
         </p:spPr>
       </p:pic>
+      <p:pic>
+        <p:nvPicPr>
+          <p:cNvPr id="7" name="図 6"/>
+          <p:cNvPicPr>
+            <a:picLocks noChangeAspect="1"/>
+          </p:cNvPicPr>
+          <p:nvPr/>
+        </p:nvPicPr>
+        <p:blipFill>
+          <a:blip r:embed="rId4">
+            <a:extLst>
+              <a:ext uri="{28A0092B-C50C-407E-A947-70E740481C1C}">
+                <a14:useLocalDpi xmlns:a14="http://schemas.microsoft.com/office/drawing/2010/main" val="0"/>
+              </a:ext>
+            </a:extLst>
+          </a:blip>
+          <a:stretch>
+            <a:fillRect/>
+          </a:stretch>
+        </p:blipFill>
+        <p:spPr>
+          <a:xfrm>
+            <a:off x="8534400" y="1865991"/>
+            <a:ext cx="9075738" cy="5258709"/>
+          </a:xfrm>
+          <a:prstGeom prst="rect">
+            <a:avLst/>
+          </a:prstGeom>
+        </p:spPr>
+      </p:pic>
     </p:spTree>
     <p:extLst>
       <p:ext uri="{BB962C8B-B14F-4D97-AF65-F5344CB8AC3E}">
